--- a/bike sharing/bike_KDH.pptx
+++ b/bike sharing/bike_KDH.pptx
@@ -279,7 +279,7 @@
                 </a:solidFill>
               </a:rPr>
               <a:pPr/>
-              <a:t>2020-03-25</a:t>
+              <a:t>2020-03-26</a:t>
             </a:fld>
             <a:endParaRPr lang="ko-KR" altLang="en-US">
               <a:solidFill>
@@ -479,7 +479,7 @@
                 </a:solidFill>
               </a:rPr>
               <a:pPr/>
-              <a:t>2020-03-25</a:t>
+              <a:t>2020-03-26</a:t>
             </a:fld>
             <a:endParaRPr lang="ko-KR" altLang="en-US">
               <a:solidFill>
@@ -689,7 +689,7 @@
                 </a:solidFill>
               </a:rPr>
               <a:pPr/>
-              <a:t>2020-03-25</a:t>
+              <a:t>2020-03-26</a:t>
             </a:fld>
             <a:endParaRPr lang="ko-KR" altLang="en-US">
               <a:solidFill>
@@ -889,7 +889,7 @@
                 </a:solidFill>
               </a:rPr>
               <a:pPr/>
-              <a:t>2020-03-25</a:t>
+              <a:t>2020-03-26</a:t>
             </a:fld>
             <a:endParaRPr lang="ko-KR" altLang="en-US">
               <a:solidFill>
@@ -1166,7 +1166,7 @@
                 </a:solidFill>
               </a:rPr>
               <a:pPr/>
-              <a:t>2020-03-25</a:t>
+              <a:t>2020-03-26</a:t>
             </a:fld>
             <a:endParaRPr lang="ko-KR" altLang="en-US">
               <a:solidFill>
@@ -1427,7 +1427,7 @@
                 </a:solidFill>
               </a:rPr>
               <a:pPr/>
-              <a:t>2020-03-25</a:t>
+              <a:t>2020-03-26</a:t>
             </a:fld>
             <a:endParaRPr lang="ko-KR" altLang="en-US">
               <a:solidFill>
@@ -1823,7 +1823,7 @@
                 </a:solidFill>
               </a:rPr>
               <a:pPr/>
-              <a:t>2020-03-25</a:t>
+              <a:t>2020-03-26</a:t>
             </a:fld>
             <a:endParaRPr lang="ko-KR" altLang="en-US">
               <a:solidFill>
@@ -1972,7 +1972,7 @@
                 </a:solidFill>
               </a:rPr>
               <a:pPr/>
-              <a:t>2020-03-25</a:t>
+              <a:t>2020-03-26</a:t>
             </a:fld>
             <a:endParaRPr lang="ko-KR" altLang="en-US">
               <a:solidFill>
@@ -2099,7 +2099,7 @@
                 </a:solidFill>
               </a:rPr>
               <a:pPr/>
-              <a:t>2020-03-25</a:t>
+              <a:t>2020-03-26</a:t>
             </a:fld>
             <a:endParaRPr lang="ko-KR" altLang="en-US">
               <a:solidFill>
@@ -2406,7 +2406,7 @@
                 </a:solidFill>
               </a:rPr>
               <a:pPr/>
-              <a:t>2020-03-25</a:t>
+              <a:t>2020-03-26</a:t>
             </a:fld>
             <a:endParaRPr lang="ko-KR" altLang="en-US">
               <a:solidFill>
@@ -2690,7 +2690,7 @@
                 </a:solidFill>
               </a:rPr>
               <a:pPr/>
-              <a:t>2020-03-25</a:t>
+              <a:t>2020-03-26</a:t>
             </a:fld>
             <a:endParaRPr lang="ko-KR" altLang="en-US">
               <a:solidFill>
@@ -2933,7 +2933,7 @@
                 </a:solidFill>
               </a:rPr>
               <a:pPr/>
-              <a:t>2020-03-25</a:t>
+              <a:t>2020-03-26</a:t>
             </a:fld>
             <a:endParaRPr lang="ko-KR" altLang="en-US">
               <a:solidFill>
@@ -8635,8 +8635,8 @@
           </p:txBody>
         </p:sp>
       </p:grpSp>
-      <mc:AlternateContent xmlns:mc="http://schemas.openxmlformats.org/markup-compatibility/2006">
-        <mc:Choice xmlns:a14="http://schemas.microsoft.com/office/drawing/2010/main" Requires="a14">
+      <mc:AlternateContent xmlns:mc="http://schemas.openxmlformats.org/markup-compatibility/2006" xmlns:a14="http://schemas.microsoft.com/office/drawing/2010/main">
+        <mc:Choice Requires="a14">
           <p:sp>
             <p:nvSpPr>
               <p:cNvPr id="23" name="TextBox 22">
@@ -8665,6 +8665,7 @@
               </a:bodyPr>
               <a:lstStyle/>
               <a:p>
+                <a:pPr/>
                 <a14:m>
                   <m:oMathPara xmlns:m="http://schemas.openxmlformats.org/officeDocument/2006/math">
                     <m:oMathParaPr>
@@ -8922,7 +8923,7 @@
             </p:txBody>
           </p:sp>
         </mc:Choice>
-        <mc:Fallback>
+        <mc:Fallback xmlns="">
           <p:sp>
             <p:nvSpPr>
               <p:cNvPr id="23" name="TextBox 22">
@@ -16319,8 +16320,8 @@
           </p:txBody>
         </p:sp>
       </p:grpSp>
-      <mc:AlternateContent xmlns:mc="http://schemas.openxmlformats.org/markup-compatibility/2006">
-        <mc:Choice xmlns:a14="http://schemas.microsoft.com/office/drawing/2010/main" Requires="a14">
+      <mc:AlternateContent xmlns:mc="http://schemas.openxmlformats.org/markup-compatibility/2006" xmlns:a14="http://schemas.microsoft.com/office/drawing/2010/main">
+        <mc:Choice Requires="a14">
           <p:sp>
             <p:nvSpPr>
               <p:cNvPr id="2" name="TextBox 1">
@@ -16551,7 +16552,7 @@
             </p:txBody>
           </p:sp>
         </mc:Choice>
-        <mc:Fallback>
+        <mc:Fallback xmlns="">
           <p:sp>
             <p:nvSpPr>
               <p:cNvPr id="2" name="TextBox 1">
@@ -20943,7 +20944,7 @@
                 <a:latin typeface="나눔고딕" pitchFamily="50" charset="-127"/>
                 <a:ea typeface="나눔고딕" pitchFamily="50" charset="-127"/>
               </a:rPr>
-              <a:t>Month </a:t>
+              <a:t>season </a:t>
             </a:r>
             <a:r>
               <a:rPr lang="ko-KR" altLang="en-US" dirty="0">
